--- a/CaseStudy1Presentation.pptx
+++ b/CaseStudy1Presentation.pptx
@@ -6,21 +6,27 @@
     <p:sldMasterId id="2147483891" r:id="rId5"/>
   </p:sldMasterIdLst>
   <p:notesMasterIdLst>
-    <p:notesMasterId r:id="rId15"/>
+    <p:notesMasterId r:id="rId21"/>
   </p:notesMasterIdLst>
   <p:handoutMasterIdLst>
-    <p:handoutMasterId r:id="rId16"/>
+    <p:handoutMasterId r:id="rId22"/>
   </p:handoutMasterIdLst>
   <p:sldIdLst>
     <p:sldId id="260" r:id="rId6"/>
     <p:sldId id="264" r:id="rId7"/>
     <p:sldId id="266" r:id="rId8"/>
     <p:sldId id="271" r:id="rId9"/>
-    <p:sldId id="270" r:id="rId10"/>
-    <p:sldId id="272" r:id="rId11"/>
-    <p:sldId id="269" r:id="rId12"/>
-    <p:sldId id="268" r:id="rId13"/>
-    <p:sldId id="267" r:id="rId14"/>
+    <p:sldId id="276" r:id="rId10"/>
+    <p:sldId id="275" r:id="rId11"/>
+    <p:sldId id="270" r:id="rId12"/>
+    <p:sldId id="272" r:id="rId13"/>
+    <p:sldId id="269" r:id="rId14"/>
+    <p:sldId id="278" r:id="rId15"/>
+    <p:sldId id="268" r:id="rId16"/>
+    <p:sldId id="267" r:id="rId17"/>
+    <p:sldId id="273" r:id="rId18"/>
+    <p:sldId id="274" r:id="rId19"/>
+    <p:sldId id="277" r:id="rId20"/>
   </p:sldIdLst>
   <p:sldSz cx="9144000" cy="5143500" type="screen16x9"/>
   <p:notesSz cx="7315200" cy="9601200"/>
@@ -273,7 +279,7 @@
             <a:fld id="{05E48B40-F575-F045-AF98-7241656AD336}" type="datetimeFigureOut">
               <a:rPr lang="en-US" smtClean="0"/>
               <a:pPr/>
-              <a:t>6/25/2018</a:t>
+              <a:t>6/28/2018</a:t>
             </a:fld>
             <a:endParaRPr lang="en-US"/>
           </a:p>
@@ -440,7 +446,7 @@
             <a:fld id="{5503108B-28A2-4A1F-97E4-23F53BEF9B1F}" type="datetimeFigureOut">
               <a:rPr lang="en-US" smtClean="0"/>
               <a:pPr/>
-              <a:t>6/25/2018</a:t>
+              <a:t>6/28/2018</a:t>
             </a:fld>
             <a:endParaRPr lang="en-US"/>
           </a:p>
@@ -774,7 +780,7 @@
             <a:fld id="{1A47E64D-F0A2-43B3-B0BA-78A854B03B27}" type="slidenum">
               <a:rPr lang="en-US" smtClean="0"/>
               <a:pPr/>
-              <a:t>5</a:t>
+              <a:t>7</a:t>
             </a:fld>
             <a:endParaRPr lang="en-US"/>
           </a:p>
@@ -17535,6 +17541,711 @@
     <p:extLst>
       <p:ext uri="{BB962C8B-B14F-4D97-AF65-F5344CB8AC3E}">
         <p14:creationId xmlns:p14="http://schemas.microsoft.com/office/powerpoint/2010/main" val="1216817490"/>
+      </p:ext>
+    </p:extLst>
+  </p:cSld>
+  <p:clrMapOvr>
+    <a:masterClrMapping/>
+  </p:clrMapOvr>
+  <p:transition>
+    <p:fade/>
+  </p:transition>
+</p:sld>
+</file>
+
+<file path=ppt/slides/slide10.xml><?xml version="1.0" encoding="utf-8"?>
+<p:sld xmlns:a="http://schemas.openxmlformats.org/drawingml/2006/main" xmlns:r="http://schemas.openxmlformats.org/officeDocument/2006/relationships" xmlns:p="http://schemas.openxmlformats.org/presentationml/2006/main">
+  <p:cSld>
+    <p:spTree>
+      <p:nvGrpSpPr>
+        <p:cNvPr id="1" name=""/>
+        <p:cNvGrpSpPr/>
+        <p:nvPr/>
+      </p:nvGrpSpPr>
+      <p:grpSpPr>
+        <a:xfrm>
+          <a:off x="0" y="0"/>
+          <a:ext cx="0" cy="0"/>
+          <a:chOff x="0" y="0"/>
+          <a:chExt cx="0" cy="0"/>
+        </a:xfrm>
+      </p:grpSpPr>
+      <p:sp>
+        <p:nvSpPr>
+          <p:cNvPr id="2" name="Title 1">
+            <a:extLst>
+              <a:ext uri="{FF2B5EF4-FFF2-40B4-BE49-F238E27FC236}">
+                <a16:creationId xmlns:a16="http://schemas.microsoft.com/office/drawing/2014/main" id="{472A2992-0D4D-4A76-AB3B-9959D2DFE7A5}"/>
+              </a:ext>
+            </a:extLst>
+          </p:cNvPr>
+          <p:cNvSpPr>
+            <a:spLocks noGrp="1"/>
+          </p:cNvSpPr>
+          <p:nvPr>
+            <p:ph type="title"/>
+          </p:nvPr>
+        </p:nvSpPr>
+        <p:spPr/>
+        <p:txBody>
+          <a:bodyPr/>
+          <a:lstStyle/>
+          <a:p>
+            <a:r>
+              <a:rPr lang="en-US" dirty="0"/>
+              <a:t>Correlation Check – Deep Dive Statistics</a:t>
+            </a:r>
+          </a:p>
+        </p:txBody>
+      </p:sp>
+      <p:sp>
+        <p:nvSpPr>
+          <p:cNvPr id="3" name="Content Placeholder 2">
+            <a:extLst>
+              <a:ext uri="{FF2B5EF4-FFF2-40B4-BE49-F238E27FC236}">
+                <a16:creationId xmlns:a16="http://schemas.microsoft.com/office/drawing/2014/main" id="{376F9471-D310-4F37-875F-5FE2AF9FFB69}"/>
+              </a:ext>
+            </a:extLst>
+          </p:cNvPr>
+          <p:cNvSpPr>
+            <a:spLocks noGrp="1"/>
+          </p:cNvSpPr>
+          <p:nvPr>
+            <p:ph idx="1"/>
+          </p:nvPr>
+        </p:nvSpPr>
+        <p:spPr>
+          <a:xfrm>
+            <a:off x="317900" y="1181101"/>
+            <a:ext cx="4913320" cy="3451623"/>
+          </a:xfrm>
+        </p:spPr>
+        <p:txBody>
+          <a:bodyPr/>
+          <a:lstStyle/>
+          <a:p>
+            <a:r>
+              <a:rPr lang="en-US" dirty="0"/>
+              <a:t>ABV and IBU are linearly correlated by the following model:</a:t>
+            </a:r>
+          </a:p>
+          <a:p>
+            <a:pPr lvl="1"/>
+            <a:r>
+              <a:rPr lang="en-US" dirty="0"/>
+              <a:t>ABV = .045 + .0004IBU</a:t>
+            </a:r>
+          </a:p>
+          <a:p>
+            <a:pPr lvl="1"/>
+            <a:r>
+              <a:rPr lang="en-US" dirty="0"/>
+              <a:t>R^2 = .45</a:t>
+            </a:r>
+          </a:p>
+          <a:p>
+            <a:pPr lvl="1"/>
+            <a:r>
+              <a:rPr lang="en-US" dirty="0"/>
+              <a:t>This substantiates the very low correlation seen on the prior scatterplot</a:t>
+            </a:r>
+          </a:p>
+        </p:txBody>
+      </p:sp>
+      <p:pic>
+        <p:nvPicPr>
+          <p:cNvPr id="4" name="Picture 3">
+            <a:extLst>
+              <a:ext uri="{FF2B5EF4-FFF2-40B4-BE49-F238E27FC236}">
+                <a16:creationId xmlns:a16="http://schemas.microsoft.com/office/drawing/2014/main" id="{96E9DD18-6A93-4B3F-99DA-AC29C96B2471}"/>
+              </a:ext>
+            </a:extLst>
+          </p:cNvPr>
+          <p:cNvPicPr>
+            <a:picLocks noChangeAspect="1"/>
+          </p:cNvPicPr>
+          <p:nvPr/>
+        </p:nvPicPr>
+        <p:blipFill>
+          <a:blip r:embed="rId2"/>
+          <a:stretch>
+            <a:fillRect/>
+          </a:stretch>
+        </p:blipFill>
+        <p:spPr>
+          <a:xfrm>
+            <a:off x="5760833" y="1105785"/>
+            <a:ext cx="2907249" cy="2176684"/>
+          </a:xfrm>
+          <a:prstGeom prst="rect">
+            <a:avLst/>
+          </a:prstGeom>
+        </p:spPr>
+      </p:pic>
+      <p:pic>
+        <p:nvPicPr>
+          <p:cNvPr id="5" name="Picture 4">
+            <a:extLst>
+              <a:ext uri="{FF2B5EF4-FFF2-40B4-BE49-F238E27FC236}">
+                <a16:creationId xmlns:a16="http://schemas.microsoft.com/office/drawing/2014/main" id="{347E858C-46EC-4A17-9E2C-E0B03F4D428A}"/>
+              </a:ext>
+            </a:extLst>
+          </p:cNvPr>
+          <p:cNvPicPr>
+            <a:picLocks noChangeAspect="1"/>
+          </p:cNvPicPr>
+          <p:nvPr/>
+        </p:nvPicPr>
+        <p:blipFill>
+          <a:blip r:embed="rId3"/>
+          <a:stretch>
+            <a:fillRect/>
+          </a:stretch>
+        </p:blipFill>
+        <p:spPr>
+          <a:xfrm>
+            <a:off x="5760833" y="3474408"/>
+            <a:ext cx="2781300" cy="752475"/>
+          </a:xfrm>
+          <a:prstGeom prst="rect">
+            <a:avLst/>
+          </a:prstGeom>
+        </p:spPr>
+      </p:pic>
+      <p:pic>
+        <p:nvPicPr>
+          <p:cNvPr id="6" name="Picture 5">
+            <a:extLst>
+              <a:ext uri="{FF2B5EF4-FFF2-40B4-BE49-F238E27FC236}">
+                <a16:creationId xmlns:a16="http://schemas.microsoft.com/office/drawing/2014/main" id="{CAAD5FEA-2E21-41F1-8493-D922DE2EAA5C}"/>
+              </a:ext>
+            </a:extLst>
+          </p:cNvPr>
+          <p:cNvPicPr>
+            <a:picLocks noChangeAspect="1"/>
+          </p:cNvPicPr>
+          <p:nvPr/>
+        </p:nvPicPr>
+        <p:blipFill>
+          <a:blip r:embed="rId4"/>
+          <a:stretch>
+            <a:fillRect/>
+          </a:stretch>
+        </p:blipFill>
+        <p:spPr>
+          <a:xfrm>
+            <a:off x="5908470" y="4418822"/>
+            <a:ext cx="2486025" cy="533400"/>
+          </a:xfrm>
+          <a:prstGeom prst="rect">
+            <a:avLst/>
+          </a:prstGeom>
+        </p:spPr>
+      </p:pic>
+    </p:spTree>
+    <p:extLst>
+      <p:ext uri="{BB962C8B-B14F-4D97-AF65-F5344CB8AC3E}">
+        <p14:creationId xmlns:p14="http://schemas.microsoft.com/office/powerpoint/2010/main" val="88571598"/>
+      </p:ext>
+    </p:extLst>
+  </p:cSld>
+  <p:clrMapOvr>
+    <a:masterClrMapping/>
+  </p:clrMapOvr>
+  <p:transition>
+    <p:fade/>
+  </p:transition>
+</p:sld>
+</file>
+
+<file path=ppt/slides/slide11.xml><?xml version="1.0" encoding="utf-8"?>
+<p:sld xmlns:a="http://schemas.openxmlformats.org/drawingml/2006/main" xmlns:r="http://schemas.openxmlformats.org/officeDocument/2006/relationships" xmlns:p="http://schemas.openxmlformats.org/presentationml/2006/main">
+  <p:cSld>
+    <p:spTree>
+      <p:nvGrpSpPr>
+        <p:cNvPr id="1" name=""/>
+        <p:cNvGrpSpPr/>
+        <p:nvPr/>
+      </p:nvGrpSpPr>
+      <p:grpSpPr>
+        <a:xfrm>
+          <a:off x="0" y="0"/>
+          <a:ext cx="0" cy="0"/>
+          <a:chOff x="0" y="0"/>
+          <a:chExt cx="0" cy="0"/>
+        </a:xfrm>
+      </p:grpSpPr>
+      <p:sp>
+        <p:nvSpPr>
+          <p:cNvPr id="2" name="Title 1">
+            <a:extLst>
+              <a:ext uri="{FF2B5EF4-FFF2-40B4-BE49-F238E27FC236}">
+                <a16:creationId xmlns:a16="http://schemas.microsoft.com/office/drawing/2014/main" id="{077AE432-8D4B-4EA0-AB57-24AA88AB1C3E}"/>
+              </a:ext>
+            </a:extLst>
+          </p:cNvPr>
+          <p:cNvSpPr>
+            <a:spLocks noGrp="1"/>
+          </p:cNvSpPr>
+          <p:nvPr>
+            <p:ph type="title"/>
+          </p:nvPr>
+        </p:nvSpPr>
+        <p:spPr/>
+        <p:txBody>
+          <a:bodyPr/>
+          <a:lstStyle/>
+          <a:p>
+            <a:r>
+              <a:rPr lang="en-US" dirty="0"/>
+              <a:t>Summary and Actions</a:t>
+            </a:r>
+          </a:p>
+        </p:txBody>
+      </p:sp>
+      <p:sp>
+        <p:nvSpPr>
+          <p:cNvPr id="3" name="Content Placeholder 2">
+            <a:extLst>
+              <a:ext uri="{FF2B5EF4-FFF2-40B4-BE49-F238E27FC236}">
+                <a16:creationId xmlns:a16="http://schemas.microsoft.com/office/drawing/2014/main" id="{D853D589-FFAD-40BE-8819-293BF4B52C65}"/>
+              </a:ext>
+            </a:extLst>
+          </p:cNvPr>
+          <p:cNvSpPr>
+            <a:spLocks noGrp="1"/>
+          </p:cNvSpPr>
+          <p:nvPr>
+            <p:ph idx="1"/>
+          </p:nvPr>
+        </p:nvSpPr>
+        <p:spPr/>
+        <p:txBody>
+          <a:bodyPr/>
+          <a:lstStyle/>
+          <a:p>
+            <a:r>
+              <a:rPr lang="en-US" dirty="0"/>
+              <a:t>Further investigation is required on breweries with changed statistics from Q1 that did not register these changes with their local ATF division</a:t>
+            </a:r>
+          </a:p>
+          <a:p>
+            <a:r>
+              <a:rPr lang="en-US" dirty="0"/>
+              <a:t>AI:  Need to follow up with breweries that are not reporting ABV or IBU</a:t>
+            </a:r>
+          </a:p>
+          <a:p>
+            <a:r>
+              <a:rPr lang="en-US" dirty="0"/>
+              <a:t>AI:  Perform quality check and brewery reporting next quarter to show improvement</a:t>
+            </a:r>
+          </a:p>
+          <a:p>
+            <a:endParaRPr lang="en-US" dirty="0"/>
+          </a:p>
+        </p:txBody>
+      </p:sp>
+    </p:spTree>
+    <p:extLst>
+      <p:ext uri="{BB962C8B-B14F-4D97-AF65-F5344CB8AC3E}">
+        <p14:creationId xmlns:p14="http://schemas.microsoft.com/office/powerpoint/2010/main" val="3175709246"/>
+      </p:ext>
+    </p:extLst>
+  </p:cSld>
+  <p:clrMapOvr>
+    <a:masterClrMapping/>
+  </p:clrMapOvr>
+  <p:transition>
+    <p:fade/>
+  </p:transition>
+</p:sld>
+</file>
+
+<file path=ppt/slides/slide12.xml><?xml version="1.0" encoding="utf-8"?>
+<p:sld xmlns:a="http://schemas.openxmlformats.org/drawingml/2006/main" xmlns:r="http://schemas.openxmlformats.org/officeDocument/2006/relationships" xmlns:p="http://schemas.openxmlformats.org/presentationml/2006/main">
+  <p:cSld>
+    <p:spTree>
+      <p:nvGrpSpPr>
+        <p:cNvPr id="1" name=""/>
+        <p:cNvGrpSpPr/>
+        <p:nvPr/>
+      </p:nvGrpSpPr>
+      <p:grpSpPr>
+        <a:xfrm>
+          <a:off x="0" y="0"/>
+          <a:ext cx="0" cy="0"/>
+          <a:chOff x="0" y="0"/>
+          <a:chExt cx="0" cy="0"/>
+        </a:xfrm>
+      </p:grpSpPr>
+      <p:sp>
+        <p:nvSpPr>
+          <p:cNvPr id="2" name="Title 1"/>
+          <p:cNvSpPr>
+            <a:spLocks noGrp="1"/>
+          </p:cNvSpPr>
+          <p:nvPr>
+            <p:ph type="title"/>
+          </p:nvPr>
+        </p:nvSpPr>
+        <p:spPr/>
+        <p:txBody>
+          <a:bodyPr/>
+          <a:lstStyle/>
+          <a:p>
+            <a:r>
+              <a:rPr lang="en-US" dirty="0"/>
+              <a:t>Team Primary Responsibilities</a:t>
+            </a:r>
+          </a:p>
+        </p:txBody>
+      </p:sp>
+      <p:sp>
+        <p:nvSpPr>
+          <p:cNvPr id="3" name="Content Placeholder 2"/>
+          <p:cNvSpPr>
+            <a:spLocks noGrp="1"/>
+          </p:cNvSpPr>
+          <p:nvPr>
+            <p:ph idx="1"/>
+          </p:nvPr>
+        </p:nvSpPr>
+        <p:spPr/>
+        <p:txBody>
+          <a:bodyPr/>
+          <a:lstStyle/>
+          <a:p>
+            <a:r>
+              <a:rPr lang="en-US" dirty="0"/>
+              <a:t>Coding – Brook and DJ</a:t>
+            </a:r>
+          </a:p>
+          <a:p>
+            <a:r>
+              <a:rPr lang="en-US" dirty="0"/>
+              <a:t>Code Commenting - All</a:t>
+            </a:r>
+          </a:p>
+          <a:p>
+            <a:r>
+              <a:rPr lang="en-US" dirty="0"/>
+              <a:t>Codebook - Selwyn</a:t>
+            </a:r>
+          </a:p>
+          <a:p>
+            <a:r>
+              <a:rPr lang="en-US" dirty="0"/>
+              <a:t>Presentation - Nicol</a:t>
+            </a:r>
+          </a:p>
+        </p:txBody>
+      </p:sp>
+    </p:spTree>
+    <p:extLst>
+      <p:ext uri="{BB962C8B-B14F-4D97-AF65-F5344CB8AC3E}">
+        <p14:creationId xmlns:p14="http://schemas.microsoft.com/office/powerpoint/2010/main" val="3000253015"/>
+      </p:ext>
+    </p:extLst>
+  </p:cSld>
+  <p:clrMapOvr>
+    <a:masterClrMapping/>
+  </p:clrMapOvr>
+  <p:transition>
+    <p:fade/>
+  </p:transition>
+</p:sld>
+</file>
+
+<file path=ppt/slides/slide13.xml><?xml version="1.0" encoding="utf-8"?>
+<p:sld xmlns:a="http://schemas.openxmlformats.org/drawingml/2006/main" xmlns:r="http://schemas.openxmlformats.org/officeDocument/2006/relationships" xmlns:p="http://schemas.openxmlformats.org/presentationml/2006/main">
+  <p:cSld>
+    <p:spTree>
+      <p:nvGrpSpPr>
+        <p:cNvPr id="1" name=""/>
+        <p:cNvGrpSpPr/>
+        <p:nvPr/>
+      </p:nvGrpSpPr>
+      <p:grpSpPr>
+        <a:xfrm>
+          <a:off x="0" y="0"/>
+          <a:ext cx="0" cy="0"/>
+          <a:chOff x="0" y="0"/>
+          <a:chExt cx="0" cy="0"/>
+        </a:xfrm>
+      </p:grpSpPr>
+      <p:sp>
+        <p:nvSpPr>
+          <p:cNvPr id="2" name="Title 1">
+            <a:extLst>
+              <a:ext uri="{FF2B5EF4-FFF2-40B4-BE49-F238E27FC236}">
+                <a16:creationId xmlns:a16="http://schemas.microsoft.com/office/drawing/2014/main" id="{F807A487-E43A-4903-A7B1-63BBB88F411E}"/>
+              </a:ext>
+            </a:extLst>
+          </p:cNvPr>
+          <p:cNvSpPr>
+            <a:spLocks noGrp="1"/>
+          </p:cNvSpPr>
+          <p:nvPr>
+            <p:ph type="title"/>
+          </p:nvPr>
+        </p:nvSpPr>
+        <p:spPr>
+          <a:xfrm>
+            <a:off x="294084" y="2137145"/>
+            <a:ext cx="8555831" cy="1181100"/>
+          </a:xfrm>
+        </p:spPr>
+        <p:txBody>
+          <a:bodyPr/>
+          <a:lstStyle/>
+          <a:p>
+            <a:r>
+              <a:rPr lang="en-US" dirty="0"/>
+              <a:t>BACKUP</a:t>
+            </a:r>
+          </a:p>
+        </p:txBody>
+      </p:sp>
+    </p:spTree>
+    <p:extLst>
+      <p:ext uri="{BB962C8B-B14F-4D97-AF65-F5344CB8AC3E}">
+        <p14:creationId xmlns:p14="http://schemas.microsoft.com/office/powerpoint/2010/main" val="2825478803"/>
+      </p:ext>
+    </p:extLst>
+  </p:cSld>
+  <p:clrMapOvr>
+    <a:masterClrMapping/>
+  </p:clrMapOvr>
+  <p:transition>
+    <p:fade/>
+  </p:transition>
+</p:sld>
+</file>
+
+<file path=ppt/slides/slide14.xml><?xml version="1.0" encoding="utf-8"?>
+<p:sld xmlns:a="http://schemas.openxmlformats.org/drawingml/2006/main" xmlns:r="http://schemas.openxmlformats.org/officeDocument/2006/relationships" xmlns:p="http://schemas.openxmlformats.org/presentationml/2006/main">
+  <p:cSld>
+    <p:spTree>
+      <p:nvGrpSpPr>
+        <p:cNvPr id="1" name=""/>
+        <p:cNvGrpSpPr/>
+        <p:nvPr/>
+      </p:nvGrpSpPr>
+      <p:grpSpPr>
+        <a:xfrm>
+          <a:off x="0" y="0"/>
+          <a:ext cx="0" cy="0"/>
+          <a:chOff x="0" y="0"/>
+          <a:chExt cx="0" cy="0"/>
+        </a:xfrm>
+      </p:grpSpPr>
+      <p:sp>
+        <p:nvSpPr>
+          <p:cNvPr id="2" name="Title 1">
+            <a:extLst>
+              <a:ext uri="{FF2B5EF4-FFF2-40B4-BE49-F238E27FC236}">
+                <a16:creationId xmlns:a16="http://schemas.microsoft.com/office/drawing/2014/main" id="{64A4F206-D77A-4847-980B-73EC0BFE1200}"/>
+              </a:ext>
+            </a:extLst>
+          </p:cNvPr>
+          <p:cNvSpPr>
+            <a:spLocks noGrp="1"/>
+          </p:cNvSpPr>
+          <p:nvPr>
+            <p:ph type="title"/>
+          </p:nvPr>
+        </p:nvSpPr>
+        <p:spPr/>
+        <p:txBody>
+          <a:bodyPr/>
+          <a:lstStyle/>
+          <a:p>
+            <a:r>
+              <a:rPr lang="en-US" dirty="0"/>
+              <a:t>Merging Beer and Brewery Data</a:t>
+            </a:r>
+          </a:p>
+        </p:txBody>
+      </p:sp>
+      <p:sp>
+        <p:nvSpPr>
+          <p:cNvPr id="3" name="Content Placeholder 2">
+            <a:extLst>
+              <a:ext uri="{FF2B5EF4-FFF2-40B4-BE49-F238E27FC236}">
+                <a16:creationId xmlns:a16="http://schemas.microsoft.com/office/drawing/2014/main" id="{DCF17A8B-1A86-4141-8894-1A21F53597B6}"/>
+              </a:ext>
+            </a:extLst>
+          </p:cNvPr>
+          <p:cNvSpPr>
+            <a:spLocks noGrp="1"/>
+          </p:cNvSpPr>
+          <p:nvPr>
+            <p:ph idx="1"/>
+          </p:nvPr>
+        </p:nvSpPr>
+        <p:spPr/>
+        <p:txBody>
+          <a:bodyPr/>
+          <a:lstStyle/>
+          <a:p>
+            <a:r>
+              <a:rPr lang="en-US" dirty="0"/>
+              <a:t>Merged the two data sets using the Brew ID as the key</a:t>
+            </a:r>
+          </a:p>
+        </p:txBody>
+      </p:sp>
+      <p:pic>
+        <p:nvPicPr>
+          <p:cNvPr id="4" name="Picture 3">
+            <a:extLst>
+              <a:ext uri="{FF2B5EF4-FFF2-40B4-BE49-F238E27FC236}">
+                <a16:creationId xmlns:a16="http://schemas.microsoft.com/office/drawing/2014/main" id="{E6310983-488E-472F-BE05-A17AA7060F0B}"/>
+              </a:ext>
+            </a:extLst>
+          </p:cNvPr>
+          <p:cNvPicPr>
+            <a:picLocks noChangeAspect="1"/>
+          </p:cNvPicPr>
+          <p:nvPr/>
+        </p:nvPicPr>
+        <p:blipFill>
+          <a:blip r:embed="rId2"/>
+          <a:stretch>
+            <a:fillRect/>
+          </a:stretch>
+        </p:blipFill>
+        <p:spPr>
+          <a:xfrm>
+            <a:off x="1817338" y="1625857"/>
+            <a:ext cx="5556951" cy="3101976"/>
+          </a:xfrm>
+          <a:prstGeom prst="rect">
+            <a:avLst/>
+          </a:prstGeom>
+        </p:spPr>
+      </p:pic>
+    </p:spTree>
+    <p:extLst>
+      <p:ext uri="{BB962C8B-B14F-4D97-AF65-F5344CB8AC3E}">
+        <p14:creationId xmlns:p14="http://schemas.microsoft.com/office/powerpoint/2010/main" val="2082357177"/>
+      </p:ext>
+    </p:extLst>
+  </p:cSld>
+  <p:clrMapOvr>
+    <a:masterClrMapping/>
+  </p:clrMapOvr>
+  <p:transition>
+    <p:fade/>
+  </p:transition>
+</p:sld>
+</file>
+
+<file path=ppt/slides/slide15.xml><?xml version="1.0" encoding="utf-8"?>
+<p:sld xmlns:a="http://schemas.openxmlformats.org/drawingml/2006/main" xmlns:r="http://schemas.openxmlformats.org/officeDocument/2006/relationships" xmlns:p="http://schemas.openxmlformats.org/presentationml/2006/main">
+  <p:cSld>
+    <p:spTree>
+      <p:nvGrpSpPr>
+        <p:cNvPr id="1" name=""/>
+        <p:cNvGrpSpPr/>
+        <p:nvPr/>
+      </p:nvGrpSpPr>
+      <p:grpSpPr>
+        <a:xfrm>
+          <a:off x="0" y="0"/>
+          <a:ext cx="0" cy="0"/>
+          <a:chOff x="0" y="0"/>
+          <a:chExt cx="0" cy="0"/>
+        </a:xfrm>
+      </p:grpSpPr>
+      <p:sp>
+        <p:nvSpPr>
+          <p:cNvPr id="2" name="Title 1">
+            <a:extLst>
+              <a:ext uri="{FF2B5EF4-FFF2-40B4-BE49-F238E27FC236}">
+                <a16:creationId xmlns:a16="http://schemas.microsoft.com/office/drawing/2014/main" id="{3A607153-7A9C-4FD6-9EBB-3C66230A0542}"/>
+              </a:ext>
+            </a:extLst>
+          </p:cNvPr>
+          <p:cNvSpPr>
+            <a:spLocks noGrp="1"/>
+          </p:cNvSpPr>
+          <p:nvPr>
+            <p:ph type="title"/>
+          </p:nvPr>
+        </p:nvSpPr>
+        <p:spPr/>
+        <p:txBody>
+          <a:bodyPr/>
+          <a:lstStyle/>
+          <a:p>
+            <a:r>
+              <a:rPr lang="en-US" dirty="0"/>
+              <a:t>ABV Statistics</a:t>
+            </a:r>
+          </a:p>
+        </p:txBody>
+      </p:sp>
+      <p:sp>
+        <p:nvSpPr>
+          <p:cNvPr id="3" name="Content Placeholder 2">
+            <a:extLst>
+              <a:ext uri="{FF2B5EF4-FFF2-40B4-BE49-F238E27FC236}">
+                <a16:creationId xmlns:a16="http://schemas.microsoft.com/office/drawing/2014/main" id="{61F0D234-7E67-40C4-B26E-B9A4939BAA57}"/>
+              </a:ext>
+            </a:extLst>
+          </p:cNvPr>
+          <p:cNvSpPr>
+            <a:spLocks noGrp="1"/>
+          </p:cNvSpPr>
+          <p:nvPr>
+            <p:ph idx="1"/>
+          </p:nvPr>
+        </p:nvSpPr>
+        <p:spPr/>
+        <p:txBody>
+          <a:bodyPr/>
+          <a:lstStyle/>
+          <a:p>
+            <a:endParaRPr lang="en-US" dirty="0"/>
+          </a:p>
+        </p:txBody>
+      </p:sp>
+      <p:pic>
+        <p:nvPicPr>
+          <p:cNvPr id="4" name="Picture 3">
+            <a:extLst>
+              <a:ext uri="{FF2B5EF4-FFF2-40B4-BE49-F238E27FC236}">
+                <a16:creationId xmlns:a16="http://schemas.microsoft.com/office/drawing/2014/main" id="{48B157BB-3B09-4878-83C4-231565DCA531}"/>
+              </a:ext>
+            </a:extLst>
+          </p:cNvPr>
+          <p:cNvPicPr>
+            <a:picLocks noChangeAspect="1"/>
+          </p:cNvPicPr>
+          <p:nvPr/>
+        </p:nvPicPr>
+        <p:blipFill>
+          <a:blip r:embed="rId2"/>
+          <a:stretch>
+            <a:fillRect/>
+          </a:stretch>
+        </p:blipFill>
+        <p:spPr>
+          <a:xfrm>
+            <a:off x="1339703" y="1305346"/>
+            <a:ext cx="5727736" cy="3203131"/>
+          </a:xfrm>
+          <a:prstGeom prst="rect">
+            <a:avLst/>
+          </a:prstGeom>
+        </p:spPr>
+      </p:pic>
+    </p:spTree>
+    <p:extLst>
+      <p:ext uri="{BB962C8B-B14F-4D97-AF65-F5344CB8AC3E}">
+        <p14:creationId xmlns:p14="http://schemas.microsoft.com/office/powerpoint/2010/main" val="1383009604"/>
       </p:ext>
     </p:extLst>
   </p:cSld>
@@ -23116,6 +23827,596 @@
           <p:cNvPr id="2" name="Title 1">
             <a:extLst>
               <a:ext uri="{FF2B5EF4-FFF2-40B4-BE49-F238E27FC236}">
+                <a16:creationId xmlns:a16="http://schemas.microsoft.com/office/drawing/2014/main" id="{96CCB017-2D6E-414C-B53D-1FF7DAFAF973}"/>
+              </a:ext>
+            </a:extLst>
+          </p:cNvPr>
+          <p:cNvSpPr>
+            <a:spLocks noGrp="1"/>
+          </p:cNvSpPr>
+          <p:nvPr>
+            <p:ph type="title"/>
+          </p:nvPr>
+        </p:nvSpPr>
+        <p:spPr/>
+        <p:txBody>
+          <a:bodyPr/>
+          <a:lstStyle/>
+          <a:p>
+            <a:r>
+              <a:rPr lang="en-US" dirty="0"/>
+              <a:t>	Data Not Reported</a:t>
+            </a:r>
+          </a:p>
+        </p:txBody>
+      </p:sp>
+      <p:sp>
+        <p:nvSpPr>
+          <p:cNvPr id="3" name="Content Placeholder 2">
+            <a:extLst>
+              <a:ext uri="{FF2B5EF4-FFF2-40B4-BE49-F238E27FC236}">
+                <a16:creationId xmlns:a16="http://schemas.microsoft.com/office/drawing/2014/main" id="{2994DBA0-F028-407D-94E3-301EBDCBFCD8}"/>
+              </a:ext>
+            </a:extLst>
+          </p:cNvPr>
+          <p:cNvSpPr>
+            <a:spLocks noGrp="1"/>
+          </p:cNvSpPr>
+          <p:nvPr>
+            <p:ph idx="1"/>
+          </p:nvPr>
+        </p:nvSpPr>
+        <p:spPr/>
+        <p:txBody>
+          <a:bodyPr/>
+          <a:lstStyle/>
+          <a:p>
+            <a:r>
+              <a:rPr lang="en-US" dirty="0"/>
+              <a:t>Numerous breweries are not reporting ABV or IBU</a:t>
+            </a:r>
+          </a:p>
+        </p:txBody>
+      </p:sp>
+      <p:pic>
+        <p:nvPicPr>
+          <p:cNvPr id="4" name="Picture 3">
+            <a:extLst>
+              <a:ext uri="{FF2B5EF4-FFF2-40B4-BE49-F238E27FC236}">
+                <a16:creationId xmlns:a16="http://schemas.microsoft.com/office/drawing/2014/main" id="{105FB823-283C-424C-AE06-99C6A06439D0}"/>
+              </a:ext>
+            </a:extLst>
+          </p:cNvPr>
+          <p:cNvPicPr>
+            <a:picLocks noChangeAspect="1"/>
+          </p:cNvPicPr>
+          <p:nvPr/>
+        </p:nvPicPr>
+        <p:blipFill>
+          <a:blip r:embed="rId2"/>
+          <a:stretch>
+            <a:fillRect/>
+          </a:stretch>
+        </p:blipFill>
+        <p:spPr>
+          <a:xfrm>
+            <a:off x="762020" y="1905363"/>
+            <a:ext cx="7458497" cy="2727361"/>
+          </a:xfrm>
+          <a:prstGeom prst="rect">
+            <a:avLst/>
+          </a:prstGeom>
+        </p:spPr>
+      </p:pic>
+    </p:spTree>
+    <p:extLst>
+      <p:ext uri="{BB962C8B-B14F-4D97-AF65-F5344CB8AC3E}">
+        <p14:creationId xmlns:p14="http://schemas.microsoft.com/office/powerpoint/2010/main" val="2907198934"/>
+      </p:ext>
+    </p:extLst>
+  </p:cSld>
+  <p:clrMapOvr>
+    <a:masterClrMapping/>
+  </p:clrMapOvr>
+  <p:transition>
+    <p:fade/>
+  </p:transition>
+</p:sld>
+</file>
+
+<file path=ppt/slides/slide6.xml><?xml version="1.0" encoding="utf-8"?>
+<p:sld xmlns:a="http://schemas.openxmlformats.org/drawingml/2006/main" xmlns:r="http://schemas.openxmlformats.org/officeDocument/2006/relationships" xmlns:p="http://schemas.openxmlformats.org/presentationml/2006/main">
+  <p:cSld>
+    <p:spTree>
+      <p:nvGrpSpPr>
+        <p:cNvPr id="1" name=""/>
+        <p:cNvGrpSpPr/>
+        <p:nvPr/>
+      </p:nvGrpSpPr>
+      <p:grpSpPr>
+        <a:xfrm>
+          <a:off x="0" y="0"/>
+          <a:ext cx="0" cy="0"/>
+          <a:chOff x="0" y="0"/>
+          <a:chExt cx="0" cy="0"/>
+        </a:xfrm>
+      </p:grpSpPr>
+      <p:sp>
+        <p:nvSpPr>
+          <p:cNvPr id="2" name="Title 1">
+            <a:extLst>
+              <a:ext uri="{FF2B5EF4-FFF2-40B4-BE49-F238E27FC236}">
+                <a16:creationId xmlns:a16="http://schemas.microsoft.com/office/drawing/2014/main" id="{07F949CB-8CC8-4C07-AE59-DD13928791CC}"/>
+              </a:ext>
+            </a:extLst>
+          </p:cNvPr>
+          <p:cNvSpPr>
+            <a:spLocks noGrp="1"/>
+          </p:cNvSpPr>
+          <p:nvPr>
+            <p:ph type="title"/>
+          </p:nvPr>
+        </p:nvSpPr>
+        <p:spPr>
+          <a:xfrm>
+            <a:off x="317899" y="397452"/>
+            <a:ext cx="8555831" cy="1181100"/>
+          </a:xfrm>
+        </p:spPr>
+        <p:txBody>
+          <a:bodyPr>
+            <a:normAutofit fontScale="90000"/>
+          </a:bodyPr>
+          <a:lstStyle/>
+          <a:p>
+            <a:r>
+              <a:rPr lang="en-US" dirty="0"/>
+              <a:t>Median alcohol content and international bitterness unit for each state</a:t>
+            </a:r>
+            <a:br>
+              <a:rPr lang="en-US" dirty="0"/>
+            </a:br>
+            <a:endParaRPr lang="en-US" dirty="0"/>
+          </a:p>
+        </p:txBody>
+      </p:sp>
+      <p:pic>
+        <p:nvPicPr>
+          <p:cNvPr id="8" name="Content Placeholder 7">
+            <a:extLst>
+              <a:ext uri="{FF2B5EF4-FFF2-40B4-BE49-F238E27FC236}">
+                <a16:creationId xmlns:a16="http://schemas.microsoft.com/office/drawing/2014/main" id="{C0404400-EF4F-4289-8E46-FB41383E36E3}"/>
+              </a:ext>
+            </a:extLst>
+          </p:cNvPr>
+          <p:cNvPicPr>
+            <a:picLocks noGrp="1" noChangeAspect="1"/>
+          </p:cNvPicPr>
+          <p:nvPr>
+            <p:ph idx="1"/>
+          </p:nvPr>
+        </p:nvPicPr>
+        <p:blipFill>
+          <a:blip r:embed="rId2"/>
+          <a:stretch>
+            <a:fillRect/>
+          </a:stretch>
+        </p:blipFill>
+        <p:spPr>
+          <a:xfrm>
+            <a:off x="5915527" y="3256561"/>
+            <a:ext cx="2584807" cy="1737272"/>
+          </a:xfrm>
+          <a:prstGeom prst="rect">
+            <a:avLst/>
+          </a:prstGeom>
+        </p:spPr>
+      </p:pic>
+      <p:pic>
+        <p:nvPicPr>
+          <p:cNvPr id="5" name="Picture 4">
+            <a:extLst>
+              <a:ext uri="{FF2B5EF4-FFF2-40B4-BE49-F238E27FC236}">
+                <a16:creationId xmlns:a16="http://schemas.microsoft.com/office/drawing/2014/main" id="{92691F09-F985-49E0-A7A1-946C05D55BC0}"/>
+              </a:ext>
+            </a:extLst>
+          </p:cNvPr>
+          <p:cNvPicPr>
+            <a:picLocks noChangeAspect="1"/>
+          </p:cNvPicPr>
+          <p:nvPr/>
+        </p:nvPicPr>
+        <p:blipFill>
+          <a:blip r:embed="rId3"/>
+          <a:stretch>
+            <a:fillRect/>
+          </a:stretch>
+        </p:blipFill>
+        <p:spPr>
+          <a:xfrm>
+            <a:off x="192097" y="1265274"/>
+            <a:ext cx="2595184" cy="1732442"/>
+          </a:xfrm>
+          <a:prstGeom prst="rect">
+            <a:avLst/>
+          </a:prstGeom>
+        </p:spPr>
+      </p:pic>
+      <p:pic>
+        <p:nvPicPr>
+          <p:cNvPr id="6" name="Picture 5">
+            <a:extLst>
+              <a:ext uri="{FF2B5EF4-FFF2-40B4-BE49-F238E27FC236}">
+                <a16:creationId xmlns:a16="http://schemas.microsoft.com/office/drawing/2014/main" id="{B36BF713-850D-4CAD-9BD4-646509521B6E}"/>
+              </a:ext>
+            </a:extLst>
+          </p:cNvPr>
+          <p:cNvPicPr>
+            <a:picLocks noChangeAspect="1"/>
+          </p:cNvPicPr>
+          <p:nvPr/>
+        </p:nvPicPr>
+        <p:blipFill>
+          <a:blip r:embed="rId4"/>
+          <a:stretch>
+            <a:fillRect/>
+          </a:stretch>
+        </p:blipFill>
+        <p:spPr>
+          <a:xfrm>
+            <a:off x="192097" y="3093763"/>
+            <a:ext cx="2595184" cy="1737272"/>
+          </a:xfrm>
+          <a:prstGeom prst="rect">
+            <a:avLst/>
+          </a:prstGeom>
+        </p:spPr>
+      </p:pic>
+      <p:pic>
+        <p:nvPicPr>
+          <p:cNvPr id="7" name="Picture 6">
+            <a:extLst>
+              <a:ext uri="{FF2B5EF4-FFF2-40B4-BE49-F238E27FC236}">
+                <a16:creationId xmlns:a16="http://schemas.microsoft.com/office/drawing/2014/main" id="{505DFE4A-1C65-4CF7-AA45-525019A9FECC}"/>
+              </a:ext>
+            </a:extLst>
+          </p:cNvPr>
+          <p:cNvPicPr>
+            <a:picLocks noChangeAspect="1"/>
+          </p:cNvPicPr>
+          <p:nvPr/>
+        </p:nvPicPr>
+        <p:blipFill>
+          <a:blip r:embed="rId5"/>
+          <a:stretch>
+            <a:fillRect/>
+          </a:stretch>
+        </p:blipFill>
+        <p:spPr>
+          <a:xfrm>
+            <a:off x="5823272" y="1194334"/>
+            <a:ext cx="2689243" cy="1874321"/>
+          </a:xfrm>
+          <a:prstGeom prst="rect">
+            <a:avLst/>
+          </a:prstGeom>
+        </p:spPr>
+      </p:pic>
+      <p:sp>
+        <p:nvSpPr>
+          <p:cNvPr id="11" name="Content Placeholder 2">
+            <a:extLst>
+              <a:ext uri="{FF2B5EF4-FFF2-40B4-BE49-F238E27FC236}">
+                <a16:creationId xmlns:a16="http://schemas.microsoft.com/office/drawing/2014/main" id="{F3B7CF3E-89D3-4551-B802-91179AE4EF09}"/>
+              </a:ext>
+            </a:extLst>
+          </p:cNvPr>
+          <p:cNvSpPr txBox="1">
+            <a:spLocks/>
+          </p:cNvSpPr>
+          <p:nvPr/>
+        </p:nvSpPr>
+        <p:spPr bwMode="auto">
+          <a:xfrm>
+            <a:off x="2913084" y="1578552"/>
+            <a:ext cx="2689244" cy="3054172"/>
+          </a:xfrm>
+          <a:prstGeom prst="rect">
+            <a:avLst/>
+          </a:prstGeom>
+          <a:noFill/>
+          <a:ln>
+            <a:noFill/>
+          </a:ln>
+          <a:extLst>
+            <a:ext uri="{909E8E84-426E-40DD-AFC4-6F175D3DCCD1}">
+              <a14:hiddenFill xmlns:a14="http://schemas.microsoft.com/office/drawing/2010/main">
+                <a:solidFill>
+                  <a:srgbClr val="FFFFFF"/>
+                </a:solidFill>
+              </a14:hiddenFill>
+            </a:ext>
+            <a:ext uri="{91240B29-F687-4F45-9708-019B960494DF}">
+              <a14:hiddenLine xmlns:a14="http://schemas.microsoft.com/office/drawing/2010/main" w="9525">
+                <a:solidFill>
+                  <a:srgbClr val="000000"/>
+                </a:solidFill>
+                <a:miter lim="800000"/>
+                <a:headEnd/>
+                <a:tailEnd/>
+              </a14:hiddenLine>
+            </a:ext>
+          </a:extLst>
+        </p:spPr>
+        <p:txBody>
+          <a:bodyPr vert="horz" wrap="square" lIns="91440" tIns="45720" rIns="91440" bIns="45720" numCol="1" anchor="t" anchorCtr="0" compatLnSpc="1">
+            <a:prstTxWarp prst="textNoShape">
+              <a:avLst/>
+            </a:prstTxWarp>
+            <a:normAutofit/>
+          </a:bodyPr>
+          <a:lstStyle>
+            <a:lvl1pPr marL="174625" indent="-174625" algn="l" defTabSz="514337" rtl="0" eaLnBrk="1" fontAlgn="base" hangingPunct="1">
+              <a:lnSpc>
+                <a:spcPct val="90000"/>
+              </a:lnSpc>
+              <a:spcBef>
+                <a:spcPts val="0"/>
+              </a:spcBef>
+              <a:spcAft>
+                <a:spcPts val="900"/>
+              </a:spcAft>
+              <a:buClr>
+                <a:schemeClr val="accent6">
+                  <a:lumMod val="60000"/>
+                  <a:lumOff val="40000"/>
+                </a:schemeClr>
+              </a:buClr>
+              <a:buFont typeface="Arial" panose="020B0604020202020204" pitchFamily="34" charset="0"/>
+              <a:buChar char="•"/>
+              <a:defRPr sz="2400" kern="1200">
+                <a:solidFill>
+                  <a:schemeClr val="bg1"/>
+                </a:solidFill>
+                <a:latin typeface="Helvetica LT Std" panose="020B0504020202020204" pitchFamily="34" charset="0"/>
+                <a:ea typeface="+mn-ea"/>
+                <a:cs typeface="+mn-cs"/>
+              </a:defRPr>
+            </a:lvl1pPr>
+            <a:lvl2pPr marL="400050" indent="-142875" algn="l" defTabSz="514337" rtl="0" eaLnBrk="1" fontAlgn="base" hangingPunct="1">
+              <a:lnSpc>
+                <a:spcPct val="90000"/>
+              </a:lnSpc>
+              <a:spcBef>
+                <a:spcPts val="0"/>
+              </a:spcBef>
+              <a:spcAft>
+                <a:spcPts val="900"/>
+              </a:spcAft>
+              <a:buClr>
+                <a:schemeClr val="accent6">
+                  <a:lumMod val="60000"/>
+                  <a:lumOff val="40000"/>
+                </a:schemeClr>
+              </a:buClr>
+              <a:buFont typeface="Arial" panose="020B0604020202020204" pitchFamily="34" charset="0"/>
+              <a:buChar char="•"/>
+              <a:defRPr sz="2000" kern="1200">
+                <a:solidFill>
+                  <a:schemeClr val="bg1"/>
+                </a:solidFill>
+                <a:latin typeface="Helvetica LT Std" panose="020B0504020202020204" pitchFamily="34" charset="0"/>
+                <a:ea typeface="+mn-ea"/>
+                <a:cs typeface="+mn-cs"/>
+              </a:defRPr>
+            </a:lvl2pPr>
+            <a:lvl3pPr marL="642922" indent="-128585" algn="l" defTabSz="514337" rtl="0" eaLnBrk="1" fontAlgn="base" hangingPunct="1">
+              <a:lnSpc>
+                <a:spcPct val="90000"/>
+              </a:lnSpc>
+              <a:spcBef>
+                <a:spcPts val="0"/>
+              </a:spcBef>
+              <a:spcAft>
+                <a:spcPts val="900"/>
+              </a:spcAft>
+              <a:buClr>
+                <a:schemeClr val="accent6">
+                  <a:lumMod val="60000"/>
+                  <a:lumOff val="40000"/>
+                </a:schemeClr>
+              </a:buClr>
+              <a:buFont typeface="Arial" panose="020B0604020202020204" pitchFamily="34" charset="0"/>
+              <a:buChar char="•"/>
+              <a:defRPr sz="1400" kern="1200">
+                <a:solidFill>
+                  <a:schemeClr val="bg1"/>
+                </a:solidFill>
+                <a:latin typeface="Helvetica LT Std" panose="020B0504020202020204" pitchFamily="34" charset="0"/>
+                <a:ea typeface="+mn-ea"/>
+                <a:cs typeface="+mn-cs"/>
+              </a:defRPr>
+            </a:lvl3pPr>
+            <a:lvl4pPr marL="900091" indent="-128585" algn="l" defTabSz="514337" rtl="0" eaLnBrk="1" fontAlgn="base" hangingPunct="1">
+              <a:lnSpc>
+                <a:spcPct val="90000"/>
+              </a:lnSpc>
+              <a:spcBef>
+                <a:spcPts val="0"/>
+              </a:spcBef>
+              <a:spcAft>
+                <a:spcPts val="900"/>
+              </a:spcAft>
+              <a:buClr>
+                <a:schemeClr val="accent6">
+                  <a:lumMod val="60000"/>
+                  <a:lumOff val="40000"/>
+                </a:schemeClr>
+              </a:buClr>
+              <a:buFont typeface="Arial" panose="020B0604020202020204" pitchFamily="34" charset="0"/>
+              <a:buChar char="•"/>
+              <a:defRPr sz="1400" kern="1200">
+                <a:solidFill>
+                  <a:schemeClr val="bg1"/>
+                </a:solidFill>
+                <a:latin typeface="Helvetica LT Std" panose="020B0504020202020204" pitchFamily="34" charset="0"/>
+                <a:ea typeface="+mn-ea"/>
+                <a:cs typeface="+mn-cs"/>
+              </a:defRPr>
+            </a:lvl4pPr>
+            <a:lvl5pPr marL="1157259" indent="-128585" algn="l" defTabSz="514337" rtl="0" eaLnBrk="1" fontAlgn="base" hangingPunct="1">
+              <a:lnSpc>
+                <a:spcPct val="90000"/>
+              </a:lnSpc>
+              <a:spcBef>
+                <a:spcPts val="0"/>
+              </a:spcBef>
+              <a:spcAft>
+                <a:spcPts val="900"/>
+              </a:spcAft>
+              <a:buClr>
+                <a:schemeClr val="accent6">
+                  <a:lumMod val="60000"/>
+                  <a:lumOff val="40000"/>
+                </a:schemeClr>
+              </a:buClr>
+              <a:buFont typeface="Arial" panose="020B0604020202020204" pitchFamily="34" charset="0"/>
+              <a:buChar char="•"/>
+              <a:defRPr sz="1400" kern="1200">
+                <a:solidFill>
+                  <a:schemeClr val="bg1"/>
+                </a:solidFill>
+                <a:latin typeface="Helvetica LT Std" panose="020B0504020202020204" pitchFamily="34" charset="0"/>
+                <a:ea typeface="+mn-ea"/>
+                <a:cs typeface="+mn-cs"/>
+              </a:defRPr>
+            </a:lvl5pPr>
+            <a:lvl6pPr marL="1414428" indent="-128585" algn="l" defTabSz="514337" rtl="0" eaLnBrk="1" latinLnBrk="0" hangingPunct="1">
+              <a:lnSpc>
+                <a:spcPct val="90000"/>
+              </a:lnSpc>
+              <a:spcBef>
+                <a:spcPts val="281"/>
+              </a:spcBef>
+              <a:buFont typeface="Arial" panose="020B0604020202020204" pitchFamily="34" charset="0"/>
+              <a:buChar char="•"/>
+              <a:defRPr sz="1013" kern="1200">
+                <a:solidFill>
+                  <a:schemeClr val="tx1"/>
+                </a:solidFill>
+                <a:latin typeface="+mn-lt"/>
+                <a:ea typeface="+mn-ea"/>
+                <a:cs typeface="+mn-cs"/>
+              </a:defRPr>
+            </a:lvl6pPr>
+            <a:lvl7pPr marL="1671596" indent="-128585" algn="l" defTabSz="514337" rtl="0" eaLnBrk="1" latinLnBrk="0" hangingPunct="1">
+              <a:lnSpc>
+                <a:spcPct val="90000"/>
+              </a:lnSpc>
+              <a:spcBef>
+                <a:spcPts val="281"/>
+              </a:spcBef>
+              <a:buFont typeface="Arial" panose="020B0604020202020204" pitchFamily="34" charset="0"/>
+              <a:buChar char="•"/>
+              <a:defRPr sz="1013" kern="1200">
+                <a:solidFill>
+                  <a:schemeClr val="tx1"/>
+                </a:solidFill>
+                <a:latin typeface="+mn-lt"/>
+                <a:ea typeface="+mn-ea"/>
+                <a:cs typeface="+mn-cs"/>
+              </a:defRPr>
+            </a:lvl7pPr>
+            <a:lvl8pPr marL="1928765" indent="-128585" algn="l" defTabSz="514337" rtl="0" eaLnBrk="1" latinLnBrk="0" hangingPunct="1">
+              <a:lnSpc>
+                <a:spcPct val="90000"/>
+              </a:lnSpc>
+              <a:spcBef>
+                <a:spcPts val="281"/>
+              </a:spcBef>
+              <a:buFont typeface="Arial" panose="020B0604020202020204" pitchFamily="34" charset="0"/>
+              <a:buChar char="•"/>
+              <a:defRPr sz="1013" kern="1200">
+                <a:solidFill>
+                  <a:schemeClr val="tx1"/>
+                </a:solidFill>
+                <a:latin typeface="+mn-lt"/>
+                <a:ea typeface="+mn-ea"/>
+                <a:cs typeface="+mn-cs"/>
+              </a:defRPr>
+            </a:lvl8pPr>
+            <a:lvl9pPr marL="2185934" indent="-128585" algn="l" defTabSz="514337" rtl="0" eaLnBrk="1" latinLnBrk="0" hangingPunct="1">
+              <a:lnSpc>
+                <a:spcPct val="90000"/>
+              </a:lnSpc>
+              <a:spcBef>
+                <a:spcPts val="281"/>
+              </a:spcBef>
+              <a:buFont typeface="Arial" panose="020B0604020202020204" pitchFamily="34" charset="0"/>
+              <a:buChar char="•"/>
+              <a:defRPr sz="1013" kern="1200">
+                <a:solidFill>
+                  <a:schemeClr val="tx1"/>
+                </a:solidFill>
+                <a:latin typeface="+mn-lt"/>
+                <a:ea typeface="+mn-ea"/>
+                <a:cs typeface="+mn-cs"/>
+              </a:defRPr>
+            </a:lvl9pPr>
+          </a:lstStyle>
+          <a:p>
+            <a:r>
+              <a:rPr lang="en-US" dirty="0"/>
+              <a:t>IBU has larger variation by state than ABV</a:t>
+            </a:r>
+          </a:p>
+          <a:p>
+            <a:pPr lvl="1"/>
+            <a:r>
+              <a:rPr lang="en-US" dirty="0"/>
+              <a:t>Expected due to all the variations of beer produced</a:t>
+            </a:r>
+          </a:p>
+        </p:txBody>
+      </p:sp>
+    </p:spTree>
+    <p:extLst>
+      <p:ext uri="{BB962C8B-B14F-4D97-AF65-F5344CB8AC3E}">
+        <p14:creationId xmlns:p14="http://schemas.microsoft.com/office/powerpoint/2010/main" val="2247325753"/>
+      </p:ext>
+    </p:extLst>
+  </p:cSld>
+  <p:clrMapOvr>
+    <a:masterClrMapping/>
+  </p:clrMapOvr>
+  <p:transition>
+    <p:fade/>
+  </p:transition>
+</p:sld>
+</file>
+
+<file path=ppt/slides/slide7.xml><?xml version="1.0" encoding="utf-8"?>
+<p:sld xmlns:a="http://schemas.openxmlformats.org/drawingml/2006/main" xmlns:r="http://schemas.openxmlformats.org/officeDocument/2006/relationships" xmlns:p="http://schemas.openxmlformats.org/presentationml/2006/main">
+  <p:cSld>
+    <p:spTree>
+      <p:nvGrpSpPr>
+        <p:cNvPr id="1" name=""/>
+        <p:cNvGrpSpPr/>
+        <p:nvPr/>
+      </p:nvGrpSpPr>
+      <p:grpSpPr>
+        <a:xfrm>
+          <a:off x="0" y="0"/>
+          <a:ext cx="0" cy="0"/>
+          <a:chOff x="0" y="0"/>
+          <a:chExt cx="0" cy="0"/>
+        </a:xfrm>
+      </p:grpSpPr>
+      <p:sp>
+        <p:nvSpPr>
+          <p:cNvPr id="2" name="Title 1">
+            <a:extLst>
+              <a:ext uri="{FF2B5EF4-FFF2-40B4-BE49-F238E27FC236}">
                 <a16:creationId xmlns:a16="http://schemas.microsoft.com/office/drawing/2014/main" id="{0F12108D-C8D8-4072-8677-4823248E5409}"/>
               </a:ext>
             </a:extLst>
@@ -23233,7 +24534,7 @@
 </p:sld>
 </file>
 
-<file path=ppt/slides/slide6.xml><?xml version="1.0" encoding="utf-8"?>
+<file path=ppt/slides/slide8.xml><?xml version="1.0" encoding="utf-8"?>
 <p:sld xmlns:a="http://schemas.openxmlformats.org/drawingml/2006/main" xmlns:r="http://schemas.openxmlformats.org/officeDocument/2006/relationships" xmlns:p="http://schemas.openxmlformats.org/presentationml/2006/main">
   <p:cSld>
     <p:spTree>
@@ -23614,7 +24915,7 @@
 </p:sld>
 </file>
 
-<file path=ppt/slides/slide7.xml><?xml version="1.0" encoding="utf-8"?>
+<file path=ppt/slides/slide9.xml><?xml version="1.0" encoding="utf-8"?>
 <p:sld xmlns:a="http://schemas.openxmlformats.org/drawingml/2006/main" xmlns:r="http://schemas.openxmlformats.org/officeDocument/2006/relationships" xmlns:p="http://schemas.openxmlformats.org/presentationml/2006/main">
   <p:cSld>
     <p:spTree>
@@ -23654,7 +24955,7 @@
           <a:p>
             <a:r>
               <a:rPr lang="en-US" dirty="0"/>
-              <a:t>Analysis (2)</a:t>
+              <a:t>Correlation Check</a:t>
             </a:r>
           </a:p>
         </p:txBody>
@@ -23682,22 +24983,36 @@
           </a:xfrm>
         </p:spPr>
         <p:txBody>
-          <a:bodyPr/>
+          <a:bodyPr>
+            <a:normAutofit fontScale="92500" lnSpcReduction="20000"/>
+          </a:bodyPr>
           <a:lstStyle/>
           <a:p>
             <a:r>
               <a:rPr lang="en-US" dirty="0"/>
-              <a:t>Similar to last quarter’s analysis, the beer alcohol content and bitterness level show no direct correlation to each other</a:t>
+              <a:t>Similar to last quarter’s analysis, the beer alcohol content and bitterness level show a low positive correlation between ABV and IBU. </a:t>
+            </a:r>
+          </a:p>
+          <a:p>
+            <a:r>
+              <a:rPr lang="en-US" dirty="0"/>
+              <a:t>No linear</a:t>
+            </a:r>
+          </a:p>
+          <a:p>
+            <a:r>
+              <a:rPr lang="en-US" dirty="0"/>
+              <a:t>Due to the large number of missing IBU data, correlation is deemed incomplete until feedback with breweries are complete</a:t>
             </a:r>
           </a:p>
         </p:txBody>
       </p:sp>
       <p:pic>
         <p:nvPicPr>
-          <p:cNvPr id="4" name="Picture 3">
+          <p:cNvPr id="5" name="Picture 4">
             <a:extLst>
               <a:ext uri="{FF2B5EF4-FFF2-40B4-BE49-F238E27FC236}">
-                <a16:creationId xmlns:a16="http://schemas.microsoft.com/office/drawing/2014/main" id="{2E6C86A5-75CB-478F-ABD5-865BAD980D8A}"/>
+                <a16:creationId xmlns:a16="http://schemas.microsoft.com/office/drawing/2014/main" id="{04275A22-5681-4F21-9855-04CB71636756}"/>
               </a:ext>
             </a:extLst>
           </p:cNvPr>
@@ -23706,16 +25021,15 @@
           </p:cNvPicPr>
           <p:nvPr/>
         </p:nvPicPr>
-        <p:blipFill>
+        <p:blipFill rotWithShape="1">
           <a:blip r:embed="rId2"/>
-          <a:stretch>
-            <a:fillRect/>
-          </a:stretch>
+          <a:srcRect r="24079" b="9282"/>
+          <a:stretch/>
         </p:blipFill>
         <p:spPr>
           <a:xfrm>
-            <a:off x="4275115" y="1509308"/>
-            <a:ext cx="4174177" cy="2795208"/>
+            <a:off x="4018084" y="1644974"/>
+            <a:ext cx="4424167" cy="2987750"/>
           </a:xfrm>
           <a:prstGeom prst="rect">
             <a:avLst/>
@@ -23726,193 +25040,6 @@
     <p:extLst>
       <p:ext uri="{BB962C8B-B14F-4D97-AF65-F5344CB8AC3E}">
         <p14:creationId xmlns:p14="http://schemas.microsoft.com/office/powerpoint/2010/main" val="2811127179"/>
-      </p:ext>
-    </p:extLst>
-  </p:cSld>
-  <p:clrMapOvr>
-    <a:masterClrMapping/>
-  </p:clrMapOvr>
-  <p:transition>
-    <p:fade/>
-  </p:transition>
-</p:sld>
-</file>
-
-<file path=ppt/slides/slide8.xml><?xml version="1.0" encoding="utf-8"?>
-<p:sld xmlns:a="http://schemas.openxmlformats.org/drawingml/2006/main" xmlns:r="http://schemas.openxmlformats.org/officeDocument/2006/relationships" xmlns:p="http://schemas.openxmlformats.org/presentationml/2006/main">
-  <p:cSld>
-    <p:spTree>
-      <p:nvGrpSpPr>
-        <p:cNvPr id="1" name=""/>
-        <p:cNvGrpSpPr/>
-        <p:nvPr/>
-      </p:nvGrpSpPr>
-      <p:grpSpPr>
-        <a:xfrm>
-          <a:off x="0" y="0"/>
-          <a:ext cx="0" cy="0"/>
-          <a:chOff x="0" y="0"/>
-          <a:chExt cx="0" cy="0"/>
-        </a:xfrm>
-      </p:grpSpPr>
-      <p:sp>
-        <p:nvSpPr>
-          <p:cNvPr id="2" name="Title 1">
-            <a:extLst>
-              <a:ext uri="{FF2B5EF4-FFF2-40B4-BE49-F238E27FC236}">
-                <a16:creationId xmlns:a16="http://schemas.microsoft.com/office/drawing/2014/main" id="{077AE432-8D4B-4EA0-AB57-24AA88AB1C3E}"/>
-              </a:ext>
-            </a:extLst>
-          </p:cNvPr>
-          <p:cNvSpPr>
-            <a:spLocks noGrp="1"/>
-          </p:cNvSpPr>
-          <p:nvPr>
-            <p:ph type="title"/>
-          </p:nvPr>
-        </p:nvSpPr>
-        <p:spPr/>
-        <p:txBody>
-          <a:bodyPr/>
-          <a:lstStyle/>
-          <a:p>
-            <a:r>
-              <a:rPr lang="en-US" dirty="0"/>
-              <a:t>Summary</a:t>
-            </a:r>
-          </a:p>
-        </p:txBody>
-      </p:sp>
-      <p:sp>
-        <p:nvSpPr>
-          <p:cNvPr id="3" name="Content Placeholder 2">
-            <a:extLst>
-              <a:ext uri="{FF2B5EF4-FFF2-40B4-BE49-F238E27FC236}">
-                <a16:creationId xmlns:a16="http://schemas.microsoft.com/office/drawing/2014/main" id="{D853D589-FFAD-40BE-8819-293BF4B52C65}"/>
-              </a:ext>
-            </a:extLst>
-          </p:cNvPr>
-          <p:cNvSpPr>
-            <a:spLocks noGrp="1"/>
-          </p:cNvSpPr>
-          <p:nvPr>
-            <p:ph idx="1"/>
-          </p:nvPr>
-        </p:nvSpPr>
-        <p:spPr/>
-        <p:txBody>
-          <a:bodyPr/>
-          <a:lstStyle/>
-          <a:p>
-            <a:r>
-              <a:rPr lang="en-US" dirty="0"/>
-              <a:t>Further investigation is required on breweries with changed statistics from Q1 that did not register these changes with their local ATF division</a:t>
-            </a:r>
-          </a:p>
-          <a:p>
-            <a:endParaRPr lang="en-US" dirty="0"/>
-          </a:p>
-        </p:txBody>
-      </p:sp>
-    </p:spTree>
-    <p:extLst>
-      <p:ext uri="{BB962C8B-B14F-4D97-AF65-F5344CB8AC3E}">
-        <p14:creationId xmlns:p14="http://schemas.microsoft.com/office/powerpoint/2010/main" val="3175709246"/>
-      </p:ext>
-    </p:extLst>
-  </p:cSld>
-  <p:clrMapOvr>
-    <a:masterClrMapping/>
-  </p:clrMapOvr>
-  <p:transition>
-    <p:fade/>
-  </p:transition>
-</p:sld>
-</file>
-
-<file path=ppt/slides/slide9.xml><?xml version="1.0" encoding="utf-8"?>
-<p:sld xmlns:a="http://schemas.openxmlformats.org/drawingml/2006/main" xmlns:r="http://schemas.openxmlformats.org/officeDocument/2006/relationships" xmlns:p="http://schemas.openxmlformats.org/presentationml/2006/main">
-  <p:cSld>
-    <p:spTree>
-      <p:nvGrpSpPr>
-        <p:cNvPr id="1" name=""/>
-        <p:cNvGrpSpPr/>
-        <p:nvPr/>
-      </p:nvGrpSpPr>
-      <p:grpSpPr>
-        <a:xfrm>
-          <a:off x="0" y="0"/>
-          <a:ext cx="0" cy="0"/>
-          <a:chOff x="0" y="0"/>
-          <a:chExt cx="0" cy="0"/>
-        </a:xfrm>
-      </p:grpSpPr>
-      <p:sp>
-        <p:nvSpPr>
-          <p:cNvPr id="2" name="Title 1"/>
-          <p:cNvSpPr>
-            <a:spLocks noGrp="1"/>
-          </p:cNvSpPr>
-          <p:nvPr>
-            <p:ph type="title"/>
-          </p:nvPr>
-        </p:nvSpPr>
-        <p:spPr/>
-        <p:txBody>
-          <a:bodyPr/>
-          <a:lstStyle/>
-          <a:p>
-            <a:r>
-              <a:rPr lang="en-US" dirty="0"/>
-              <a:t>Team Primary Responsibilities</a:t>
-            </a:r>
-          </a:p>
-        </p:txBody>
-      </p:sp>
-      <p:sp>
-        <p:nvSpPr>
-          <p:cNvPr id="3" name="Content Placeholder 2"/>
-          <p:cNvSpPr>
-            <a:spLocks noGrp="1"/>
-          </p:cNvSpPr>
-          <p:nvPr>
-            <p:ph idx="1"/>
-          </p:nvPr>
-        </p:nvSpPr>
-        <p:spPr/>
-        <p:txBody>
-          <a:bodyPr/>
-          <a:lstStyle/>
-          <a:p>
-            <a:r>
-              <a:rPr lang="en-US" dirty="0"/>
-              <a:t>Coding – Brook and DJ</a:t>
-            </a:r>
-          </a:p>
-          <a:p>
-            <a:r>
-              <a:rPr lang="en-US" dirty="0"/>
-              <a:t>Code Commenting - All</a:t>
-            </a:r>
-          </a:p>
-          <a:p>
-            <a:r>
-              <a:rPr lang="en-US" dirty="0"/>
-              <a:t>Codebook - Selwyn</a:t>
-            </a:r>
-          </a:p>
-          <a:p>
-            <a:r>
-              <a:rPr lang="en-US" dirty="0"/>
-              <a:t>Presentation - Nicol</a:t>
-            </a:r>
-          </a:p>
-        </p:txBody>
-      </p:sp>
-    </p:spTree>
-    <p:extLst>
-      <p:ext uri="{BB962C8B-B14F-4D97-AF65-F5344CB8AC3E}">
-        <p14:creationId xmlns:p14="http://schemas.microsoft.com/office/powerpoint/2010/main" val="3000253015"/>
       </p:ext>
     </p:extLst>
   </p:cSld>
@@ -24939,15 +26066,6 @@
 </file>
 
 <file path=customXml/item2.xml><?xml version="1.0" encoding="utf-8"?>
-<?mso-contentType ?>
-<FormTemplates xmlns="http://schemas.microsoft.com/sharepoint/v3/contenttype/forms">
-  <Display>DocumentLibraryForm</Display>
-  <Edit>DocumentLibraryForm</Edit>
-  <New>DocumentLibraryForm</New>
-</FormTemplates>
-</file>
-
-<file path=customXml/item3.xml><?xml version="1.0" encoding="utf-8"?>
 <ct:contentTypeSchema xmlns:ct="http://schemas.microsoft.com/office/2006/metadata/contentType" xmlns:ma="http://schemas.microsoft.com/office/2006/metadata/properties/metaAttributes" ct:_="" ma:_="" ma:contentTypeName="Document" ma:contentTypeID="0x0101005AF7EA714CC39040883754BC4B32E8BA" ma:contentTypeVersion="0" ma:contentTypeDescription="Create a new document." ma:contentTypeScope="" ma:versionID="82fca3889656e9b49c3f85370df20451">
   <xsd:schema xmlns:xsd="http://www.w3.org/2001/XMLSchema" xmlns:xs="http://www.w3.org/2001/XMLSchema" xmlns:p="http://schemas.microsoft.com/office/2006/metadata/properties" targetNamespace="http://schemas.microsoft.com/office/2006/metadata/properties" ma:root="true" ma:fieldsID="c64490b4aec6201516c3a874156f37b2">
     <xsd:element name="properties">
@@ -25061,6 +26179,15 @@
 </ct:contentTypeSchema>
 </file>
 
+<file path=customXml/item3.xml><?xml version="1.0" encoding="utf-8"?>
+<?mso-contentType ?>
+<FormTemplates xmlns="http://schemas.microsoft.com/sharepoint/v3/contenttype/forms">
+  <Display>DocumentLibraryForm</Display>
+  <Edit>DocumentLibraryForm</Edit>
+  <New>DocumentLibraryForm</New>
+</FormTemplates>
+</file>
+
 <file path=customXml/itemProps1.xml><?xml version="1.0" encoding="utf-8"?>
 <ds:datastoreItem xmlns:ds="http://schemas.openxmlformats.org/officeDocument/2006/customXml" ds:itemID="{7F30D25C-2B8C-4E8E-A3EA-861E33399DB6}">
   <ds:schemaRefs>
@@ -25077,14 +26204,6 @@
 </file>
 
 <file path=customXml/itemProps2.xml><?xml version="1.0" encoding="utf-8"?>
-<ds:datastoreItem xmlns:ds="http://schemas.openxmlformats.org/officeDocument/2006/customXml" ds:itemID="{09C28EF2-5F72-4F36-9FAB-E29A52179F4E}">
-  <ds:schemaRefs>
-    <ds:schemaRef ds:uri="http://schemas.microsoft.com/sharepoint/v3/contenttype/forms"/>
-  </ds:schemaRefs>
-</ds:datastoreItem>
-</file>
-
-<file path=customXml/itemProps3.xml><?xml version="1.0" encoding="utf-8"?>
 <ds:datastoreItem xmlns:ds="http://schemas.openxmlformats.org/officeDocument/2006/customXml" ds:itemID="{64E5588E-D5D4-4A9C-9FD2-3305314A5BF9}">
   <ds:schemaRefs>
     <ds:schemaRef ds:uri="http://schemas.microsoft.com/office/2006/metadata/contentType"/>
@@ -25098,4 +26217,12 @@
     <ds:schemaRef ds:uri="http://schemas.microsoft.com/office/infopath/2007/PartnerControls"/>
   </ds:schemaRefs>
 </ds:datastoreItem>
+</file>
+
+<file path=customXml/itemProps3.xml><?xml version="1.0" encoding="utf-8"?>
+<ds:datastoreItem xmlns:ds="http://schemas.openxmlformats.org/officeDocument/2006/customXml" ds:itemID="{09C28EF2-5F72-4F36-9FAB-E29A52179F4E}">
+  <ds:schemaRefs>
+    <ds:schemaRef ds:uri="http://schemas.microsoft.com/sharepoint/v3/contenttype/forms"/>
+  </ds:schemaRefs>
+</ds:datastoreItem>
 </file>